--- a/images/images.pptx
+++ b/images/images.pptx
@@ -333,7 +333,7 @@
           <a:p>
             <a:fld id="{A35E1F6B-91F3-4CF9-84E3-0A914A458189}" type="datetimeFigureOut">
               <a:rPr lang="en-US" smtClean="0"/>
-              <a:t>5/10/2018</a:t>
+              <a:t>5/11/2018</a:t>
             </a:fld>
             <a:endParaRPr lang="en-US"/>
           </a:p>
@@ -531,7 +531,7 @@
           <a:p>
             <a:fld id="{A35E1F6B-91F3-4CF9-84E3-0A914A458189}" type="datetimeFigureOut">
               <a:rPr lang="en-US" smtClean="0"/>
-              <a:t>5/10/2018</a:t>
+              <a:t>5/11/2018</a:t>
             </a:fld>
             <a:endParaRPr lang="en-US"/>
           </a:p>
@@ -739,7 +739,7 @@
           <a:p>
             <a:fld id="{A35E1F6B-91F3-4CF9-84E3-0A914A458189}" type="datetimeFigureOut">
               <a:rPr lang="en-US" smtClean="0"/>
-              <a:t>5/10/2018</a:t>
+              <a:t>5/11/2018</a:t>
             </a:fld>
             <a:endParaRPr lang="en-US"/>
           </a:p>
@@ -937,7 +937,7 @@
           <a:p>
             <a:fld id="{A35E1F6B-91F3-4CF9-84E3-0A914A458189}" type="datetimeFigureOut">
               <a:rPr lang="en-US" smtClean="0"/>
-              <a:t>5/10/2018</a:t>
+              <a:t>5/11/2018</a:t>
             </a:fld>
             <a:endParaRPr lang="en-US"/>
           </a:p>
@@ -1212,7 +1212,7 @@
           <a:p>
             <a:fld id="{A35E1F6B-91F3-4CF9-84E3-0A914A458189}" type="datetimeFigureOut">
               <a:rPr lang="en-US" smtClean="0"/>
-              <a:t>5/10/2018</a:t>
+              <a:t>5/11/2018</a:t>
             </a:fld>
             <a:endParaRPr lang="en-US"/>
           </a:p>
@@ -1477,7 +1477,7 @@
           <a:p>
             <a:fld id="{A35E1F6B-91F3-4CF9-84E3-0A914A458189}" type="datetimeFigureOut">
               <a:rPr lang="en-US" smtClean="0"/>
-              <a:t>5/10/2018</a:t>
+              <a:t>5/11/2018</a:t>
             </a:fld>
             <a:endParaRPr lang="en-US"/>
           </a:p>
@@ -1889,7 +1889,7 @@
           <a:p>
             <a:fld id="{A35E1F6B-91F3-4CF9-84E3-0A914A458189}" type="datetimeFigureOut">
               <a:rPr lang="en-US" smtClean="0"/>
-              <a:t>5/10/2018</a:t>
+              <a:t>5/11/2018</a:t>
             </a:fld>
             <a:endParaRPr lang="en-US"/>
           </a:p>
@@ -2030,7 +2030,7 @@
           <a:p>
             <a:fld id="{A35E1F6B-91F3-4CF9-84E3-0A914A458189}" type="datetimeFigureOut">
               <a:rPr lang="en-US" smtClean="0"/>
-              <a:t>5/10/2018</a:t>
+              <a:t>5/11/2018</a:t>
             </a:fld>
             <a:endParaRPr lang="en-US"/>
           </a:p>
@@ -2143,7 +2143,7 @@
           <a:p>
             <a:fld id="{A35E1F6B-91F3-4CF9-84E3-0A914A458189}" type="datetimeFigureOut">
               <a:rPr lang="en-US" smtClean="0"/>
-              <a:t>5/10/2018</a:t>
+              <a:t>5/11/2018</a:t>
             </a:fld>
             <a:endParaRPr lang="en-US"/>
           </a:p>
@@ -2454,7 +2454,7 @@
           <a:p>
             <a:fld id="{A35E1F6B-91F3-4CF9-84E3-0A914A458189}" type="datetimeFigureOut">
               <a:rPr lang="en-US" smtClean="0"/>
-              <a:t>5/10/2018</a:t>
+              <a:t>5/11/2018</a:t>
             </a:fld>
             <a:endParaRPr lang="en-US"/>
           </a:p>
@@ -2742,7 +2742,7 @@
           <a:p>
             <a:fld id="{A35E1F6B-91F3-4CF9-84E3-0A914A458189}" type="datetimeFigureOut">
               <a:rPr lang="en-US" smtClean="0"/>
-              <a:t>5/10/2018</a:t>
+              <a:t>5/11/2018</a:t>
             </a:fld>
             <a:endParaRPr lang="en-US"/>
           </a:p>
@@ -2983,7 +2983,7 @@
           <a:p>
             <a:fld id="{A35E1F6B-91F3-4CF9-84E3-0A914A458189}" type="datetimeFigureOut">
               <a:rPr lang="en-US" smtClean="0"/>
-              <a:t>5/10/2018</a:t>
+              <a:t>5/11/2018</a:t>
             </a:fld>
             <a:endParaRPr lang="en-US"/>
           </a:p>
@@ -3452,55 +3452,6 @@
       </p:sp>
       <p:sp>
         <p:nvSpPr>
-          <p:cNvPr id="7" name="Arrow: Right 6">
-            <a:extLst>
-              <a:ext uri="{FF2B5EF4-FFF2-40B4-BE49-F238E27FC236}">
-                <a16:creationId xmlns:a16="http://schemas.microsoft.com/office/drawing/2014/main" id="{6100EF2E-D72A-43B7-A371-88E7E035E9EF}"/>
-              </a:ext>
-            </a:extLst>
-          </p:cNvPr>
-          <p:cNvSpPr/>
-          <p:nvPr/>
-        </p:nvSpPr>
-        <p:spPr>
-          <a:xfrm>
-            <a:off x="4105175" y="1525602"/>
-            <a:ext cx="789272" cy="259884"/>
-          </a:xfrm>
-          <a:prstGeom prst="rightArrow">
-            <a:avLst>
-              <a:gd name="adj1" fmla="val 20371"/>
-              <a:gd name="adj2" fmla="val 123913"/>
-            </a:avLst>
-          </a:prstGeom>
-        </p:spPr>
-        <p:style>
-          <a:lnRef idx="2">
-            <a:schemeClr val="accent1">
-              <a:shade val="50000"/>
-            </a:schemeClr>
-          </a:lnRef>
-          <a:fillRef idx="1">
-            <a:schemeClr val="accent1"/>
-          </a:fillRef>
-          <a:effectRef idx="0">
-            <a:schemeClr val="accent1"/>
-          </a:effectRef>
-          <a:fontRef idx="minor">
-            <a:schemeClr val="lt1"/>
-          </a:fontRef>
-        </p:style>
-        <p:txBody>
-          <a:bodyPr rtlCol="0" anchor="ctr"/>
-          <a:lstStyle/>
-          <a:p>
-            <a:pPr algn="ctr"/>
-            <a:endParaRPr lang="en-US"/>
-          </a:p>
-        </p:txBody>
-      </p:sp>
-      <p:sp>
-        <p:nvSpPr>
           <p:cNvPr id="8" name="Rectangle: Rounded Corners 7">
             <a:extLst>
               <a:ext uri="{FF2B5EF4-FFF2-40B4-BE49-F238E27FC236}">
@@ -3653,10 +3604,10 @@
       </mc:AlternateContent>
       <p:sp>
         <p:nvSpPr>
-          <p:cNvPr id="12" name="Arrow: Right 11">
-            <a:extLst>
-              <a:ext uri="{FF2B5EF4-FFF2-40B4-BE49-F238E27FC236}">
-                <a16:creationId xmlns:a16="http://schemas.microsoft.com/office/drawing/2014/main" id="{ED1D0FCB-1A02-4A3F-902D-BFD1B2E2A872}"/>
+          <p:cNvPr id="14" name="Arrow: Right 13">
+            <a:extLst>
+              <a:ext uri="{FF2B5EF4-FFF2-40B4-BE49-F238E27FC236}">
+                <a16:creationId xmlns:a16="http://schemas.microsoft.com/office/drawing/2014/main" id="{C96310BB-75EF-46BC-A5B7-A8606C256375}"/>
               </a:ext>
             </a:extLst>
           </p:cNvPr>
@@ -3665,8 +3616,57 @@
         </p:nvSpPr>
         <p:spPr>
           <a:xfrm>
-            <a:off x="4105175" y="3159489"/>
-            <a:ext cx="789272" cy="259884"/>
+            <a:off x="1288180" y="1273999"/>
+            <a:ext cx="789272" cy="747305"/>
+          </a:xfrm>
+          <a:prstGeom prst="rightArrow">
+            <a:avLst>
+              <a:gd name="adj1" fmla="val 20371"/>
+              <a:gd name="adj2" fmla="val 62468"/>
+            </a:avLst>
+          </a:prstGeom>
+        </p:spPr>
+        <p:style>
+          <a:lnRef idx="2">
+            <a:schemeClr val="accent1">
+              <a:shade val="50000"/>
+            </a:schemeClr>
+          </a:lnRef>
+          <a:fillRef idx="1">
+            <a:schemeClr val="accent1"/>
+          </a:fillRef>
+          <a:effectRef idx="0">
+            <a:schemeClr val="accent1"/>
+          </a:effectRef>
+          <a:fontRef idx="minor">
+            <a:schemeClr val="lt1"/>
+          </a:fontRef>
+        </p:style>
+        <p:txBody>
+          <a:bodyPr rtlCol="0" anchor="ctr"/>
+          <a:lstStyle/>
+          <a:p>
+            <a:pPr algn="ctr"/>
+            <a:endParaRPr lang="en-US"/>
+          </a:p>
+        </p:txBody>
+      </p:sp>
+      <p:sp>
+        <p:nvSpPr>
+          <p:cNvPr id="15" name="Arrow: Right 14">
+            <a:extLst>
+              <a:ext uri="{FF2B5EF4-FFF2-40B4-BE49-F238E27FC236}">
+                <a16:creationId xmlns:a16="http://schemas.microsoft.com/office/drawing/2014/main" id="{3E0A84CC-22C4-4C2B-8F1B-29505B31F475}"/>
+              </a:ext>
+            </a:extLst>
+          </p:cNvPr>
+          <p:cNvSpPr/>
+          <p:nvPr/>
+        </p:nvSpPr>
+        <p:spPr>
+          <a:xfrm>
+            <a:off x="1326680" y="4697128"/>
+            <a:ext cx="3471513" cy="843011"/>
           </a:xfrm>
           <a:prstGeom prst="rightArrow">
             <a:avLst>
@@ -3702,10 +3702,10 @@
       </p:sp>
       <p:sp>
         <p:nvSpPr>
-          <p:cNvPr id="13" name="Arrow: Right 12">
-            <a:extLst>
-              <a:ext uri="{FF2B5EF4-FFF2-40B4-BE49-F238E27FC236}">
-                <a16:creationId xmlns:a16="http://schemas.microsoft.com/office/drawing/2014/main" id="{AD89E27F-2CE4-4F49-8C64-77AAD8C6F595}"/>
+          <p:cNvPr id="11" name="Arrow: Right 10">
+            <a:extLst>
+              <a:ext uri="{FF2B5EF4-FFF2-40B4-BE49-F238E27FC236}">
+                <a16:creationId xmlns:a16="http://schemas.microsoft.com/office/drawing/2014/main" id="{370B75D7-C752-4461-9EFA-6360F42B6B01}"/>
               </a:ext>
             </a:extLst>
           </p:cNvPr>
@@ -3714,13 +3714,13 @@
         </p:nvSpPr>
         <p:spPr>
           <a:xfrm>
-            <a:off x="1326681" y="3159489"/>
-            <a:ext cx="789272" cy="259884"/>
+            <a:off x="3987237" y="2888637"/>
+            <a:ext cx="789272" cy="747305"/>
           </a:xfrm>
           <a:prstGeom prst="rightArrow">
             <a:avLst>
               <a:gd name="adj1" fmla="val 20371"/>
-              <a:gd name="adj2" fmla="val 123913"/>
+              <a:gd name="adj2" fmla="val 62468"/>
             </a:avLst>
           </a:prstGeom>
         </p:spPr>
@@ -3751,10 +3751,10 @@
       </p:sp>
       <p:sp>
         <p:nvSpPr>
-          <p:cNvPr id="14" name="Arrow: Right 13">
-            <a:extLst>
-              <a:ext uri="{FF2B5EF4-FFF2-40B4-BE49-F238E27FC236}">
-                <a16:creationId xmlns:a16="http://schemas.microsoft.com/office/drawing/2014/main" id="{C96310BB-75EF-46BC-A5B7-A8606C256375}"/>
+          <p:cNvPr id="16" name="Arrow: Right 15">
+            <a:extLst>
+              <a:ext uri="{FF2B5EF4-FFF2-40B4-BE49-F238E27FC236}">
+                <a16:creationId xmlns:a16="http://schemas.microsoft.com/office/drawing/2014/main" id="{4AC3D779-A6E4-430E-89EB-A234BBE82037}"/>
               </a:ext>
             </a:extLst>
           </p:cNvPr>
@@ -3763,13 +3763,13 @@
         </p:nvSpPr>
         <p:spPr>
           <a:xfrm>
-            <a:off x="1326681" y="1497968"/>
-            <a:ext cx="789272" cy="259884"/>
+            <a:off x="1312677" y="2888637"/>
+            <a:ext cx="789272" cy="747305"/>
           </a:xfrm>
           <a:prstGeom prst="rightArrow">
             <a:avLst>
               <a:gd name="adj1" fmla="val 20371"/>
-              <a:gd name="adj2" fmla="val 123913"/>
+              <a:gd name="adj2" fmla="val 62468"/>
             </a:avLst>
           </a:prstGeom>
         </p:spPr>
@@ -3800,10 +3800,10 @@
       </p:sp>
       <p:sp>
         <p:nvSpPr>
-          <p:cNvPr id="15" name="Arrow: Right 14">
-            <a:extLst>
-              <a:ext uri="{FF2B5EF4-FFF2-40B4-BE49-F238E27FC236}">
-                <a16:creationId xmlns:a16="http://schemas.microsoft.com/office/drawing/2014/main" id="{3E0A84CC-22C4-4C2B-8F1B-29505B31F475}"/>
+          <p:cNvPr id="17" name="Arrow: Right 16">
+            <a:extLst>
+              <a:ext uri="{FF2B5EF4-FFF2-40B4-BE49-F238E27FC236}">
+                <a16:creationId xmlns:a16="http://schemas.microsoft.com/office/drawing/2014/main" id="{AB7ED249-F55D-414A-B8D7-DB0B531BADAB}"/>
               </a:ext>
             </a:extLst>
           </p:cNvPr>
@@ -3812,13 +3812,13 @@
         </p:nvSpPr>
         <p:spPr>
           <a:xfrm>
-            <a:off x="1326680" y="5207267"/>
-            <a:ext cx="3471513" cy="332872"/>
+            <a:off x="3987237" y="1317313"/>
+            <a:ext cx="789272" cy="747305"/>
           </a:xfrm>
           <a:prstGeom prst="rightArrow">
             <a:avLst>
               <a:gd name="adj1" fmla="val 20371"/>
-              <a:gd name="adj2" fmla="val 123913"/>
+              <a:gd name="adj2" fmla="val 62468"/>
             </a:avLst>
           </a:prstGeom>
         </p:spPr>
